--- a/W12/W12S2/W12S2.pptx
+++ b/W12/W12S2/W12S2.pptx
@@ -9430,7 +9430,7 @@
   <pc:docChgLst>
     <pc:chgData name="Matthieu De Mari" userId="dfb708c9-d8dc-439f-9a3b-c772bf4a311c" providerId="ADAL" clId="{BC3B9BBC-A796-44DB-AEB7-87EBC5C06517}"/>
     <pc:docChg chg="undo custSel addSld delSld modSld sldOrd addSection modSection">
-      <pc:chgData name="Matthieu De Mari" userId="dfb708c9-d8dc-439f-9a3b-c772bf4a311c" providerId="ADAL" clId="{BC3B9BBC-A796-44DB-AEB7-87EBC5C06517}" dt="2023-04-12T01:46:01.305" v="11395"/>
+      <pc:chgData name="Matthieu De Mari" userId="dfb708c9-d8dc-439f-9a3b-c772bf4a311c" providerId="ADAL" clId="{BC3B9BBC-A796-44DB-AEB7-87EBC5C06517}" dt="2023-04-12T02:13:44.814" v="11572" actId="27636"/>
       <pc:docMkLst>
         <pc:docMk/>
       </pc:docMkLst>
@@ -11163,7 +11163,7 @@
         </pc:spChg>
       </pc:sldChg>
       <pc:sldChg chg="modSp new mod">
-        <pc:chgData name="Matthieu De Mari" userId="dfb708c9-d8dc-439f-9a3b-c772bf4a311c" providerId="ADAL" clId="{BC3B9BBC-A796-44DB-AEB7-87EBC5C06517}" dt="2023-04-12T01:41:16.170" v="11115" actId="20577"/>
+        <pc:chgData name="Matthieu De Mari" userId="dfb708c9-d8dc-439f-9a3b-c772bf4a311c" providerId="ADAL" clId="{BC3B9BBC-A796-44DB-AEB7-87EBC5C06517}" dt="2023-04-12T02:13:44.814" v="11572" actId="27636"/>
         <pc:sldMkLst>
           <pc:docMk/>
           <pc:sldMk cId="1507033240" sldId="553"/>
@@ -11177,7 +11177,7 @@
           </ac:spMkLst>
         </pc:spChg>
         <pc:spChg chg="mod">
-          <ac:chgData name="Matthieu De Mari" userId="dfb708c9-d8dc-439f-9a3b-c772bf4a311c" providerId="ADAL" clId="{BC3B9BBC-A796-44DB-AEB7-87EBC5C06517}" dt="2023-04-12T01:41:16.170" v="11115" actId="20577"/>
+          <ac:chgData name="Matthieu De Mari" userId="dfb708c9-d8dc-439f-9a3b-c772bf4a311c" providerId="ADAL" clId="{BC3B9BBC-A796-44DB-AEB7-87EBC5C06517}" dt="2023-04-12T02:13:44.814" v="11572" actId="27636"/>
           <ac:spMkLst>
             <pc:docMk/>
             <pc:sldMk cId="1507033240" sldId="553"/>
@@ -11472,13 +11472,13 @@
         </pc:picChg>
       </pc:sldChg>
       <pc:sldChg chg="modSp add mod">
-        <pc:chgData name="Matthieu De Mari" userId="dfb708c9-d8dc-439f-9a3b-c772bf4a311c" providerId="ADAL" clId="{BC3B9BBC-A796-44DB-AEB7-87EBC5C06517}" dt="2023-04-12T01:42:27.149" v="11338" actId="20577"/>
+        <pc:chgData name="Matthieu De Mari" userId="dfb708c9-d8dc-439f-9a3b-c772bf4a311c" providerId="ADAL" clId="{BC3B9BBC-A796-44DB-AEB7-87EBC5C06517}" dt="2023-04-12T02:12:28.316" v="11396" actId="11"/>
         <pc:sldMkLst>
           <pc:docMk/>
           <pc:sldMk cId="1816982771" sldId="564"/>
         </pc:sldMkLst>
         <pc:spChg chg="mod">
-          <ac:chgData name="Matthieu De Mari" userId="dfb708c9-d8dc-439f-9a3b-c772bf4a311c" providerId="ADAL" clId="{BC3B9BBC-A796-44DB-AEB7-87EBC5C06517}" dt="2023-04-12T01:42:27.149" v="11338" actId="20577"/>
+          <ac:chgData name="Matthieu De Mari" userId="dfb708c9-d8dc-439f-9a3b-c772bf4a311c" providerId="ADAL" clId="{BC3B9BBC-A796-44DB-AEB7-87EBC5C06517}" dt="2023-04-12T02:12:28.316" v="11396" actId="11"/>
           <ac:spMkLst>
             <pc:docMk/>
             <pc:sldMk cId="1816982771" sldId="564"/>
@@ -39890,8 +39890,8 @@
         </p:nvSpPr>
         <p:spPr>
           <a:xfrm>
-            <a:off x="838200" y="1825624"/>
-            <a:ext cx="10515600" cy="5032375"/>
+            <a:off x="838199" y="1825624"/>
+            <a:ext cx="10964159" cy="5032375"/>
           </a:xfrm>
         </p:spPr>
         <p:txBody>
@@ -39934,6 +39934,20 @@
             <a:r>
               <a:rPr lang="en-SG" dirty="0"/>
               <a:t>Checks that some attributes/methods of an object can be called at a given time, given their public, private, protected status.</a:t>
+            </a:r>
+          </a:p>
+          <a:p>
+            <a:pPr marL="514350" indent="-514350">
+              <a:buFont typeface="+mj-lt"/>
+              <a:buAutoNum type="arabicPeriod"/>
+            </a:pPr>
+            <a:r>
+              <a:rPr lang="en-SG" b="1" dirty="0"/>
+              <a:t>Self: </a:t>
+            </a:r>
+            <a:r>
+              <a:rPr lang="en-SG" dirty="0"/>
+              <a:t>At any given time, who is the “self” keyword referring to? How do you resolve this and know which object in the scope it corresponds to?</a:t>
             </a:r>
           </a:p>
         </p:txBody>
@@ -40036,7 +40050,7 @@
           <a:p>
             <a:pPr marL="514350" indent="-514350">
               <a:buFont typeface="+mj-lt"/>
-              <a:buAutoNum type="arabicPeriod" startAt="3"/>
+              <a:buAutoNum type="arabicPeriod" startAt="4"/>
             </a:pPr>
             <a:r>
               <a:rPr lang="en-GB" b="1" dirty="0"/>
@@ -40050,7 +40064,7 @@
           <a:p>
             <a:pPr marL="514350" indent="-514350">
               <a:buFont typeface="+mj-lt"/>
-              <a:buAutoNum type="arabicPeriod" startAt="3"/>
+              <a:buAutoNum type="arabicPeriod" startAt="4"/>
             </a:pPr>
             <a:r>
               <a:rPr lang="en-GB" b="1" dirty="0"/>
